--- a/(0) Template.pptx
+++ b/(0) Template.pptx
@@ -198,7 +198,7 @@
           <a:p>
             <a:fld id="{4299902A-6DB3-4A13-9B91-BEABFDA2FC16}" type="datetimeFigureOut">
               <a:rPr lang="en-US" smtClean="0"/>
-              <a:t>8/11/2022</a:t>
+              <a:t>12/13/2023</a:t>
             </a:fld>
             <a:endParaRPr lang="en-US"/>
           </a:p>
@@ -793,404 +793,6 @@
 </p:sldLayout>
 </file>
 
-<file path=ppt/slideLayouts/slideLayout10.xml><?xml version="1.0" encoding="utf-8"?>
-<p:sldLayout xmlns:a="http://schemas.openxmlformats.org/drawingml/2006/main" xmlns:r="http://schemas.openxmlformats.org/officeDocument/2006/relationships" xmlns:p="http://schemas.openxmlformats.org/presentationml/2006/main" type="vertTx" preserve="1">
-  <p:cSld name="Title and Vertical Text">
-    <p:spTree>
-      <p:nvGrpSpPr>
-        <p:cNvPr id="1" name=""/>
-        <p:cNvGrpSpPr/>
-        <p:nvPr/>
-      </p:nvGrpSpPr>
-      <p:grpSpPr>
-        <a:xfrm>
-          <a:off x="0" y="0"/>
-          <a:ext cx="0" cy="0"/>
-          <a:chOff x="0" y="0"/>
-          <a:chExt cx="0" cy="0"/>
-        </a:xfrm>
-      </p:grpSpPr>
-      <p:sp>
-        <p:nvSpPr>
-          <p:cNvPr id="2" name="Title 1">
-            <a:extLst>
-              <a:ext uri="{FF2B5EF4-FFF2-40B4-BE49-F238E27FC236}">
-                <a16:creationId xmlns:a16="http://schemas.microsoft.com/office/drawing/2014/main" id="{FDC7FE3E-279B-4F94-9B6C-43A7E7B4D7B9}"/>
-              </a:ext>
-            </a:extLst>
-          </p:cNvPr>
-          <p:cNvSpPr>
-            <a:spLocks noGrp="1"/>
-          </p:cNvSpPr>
-          <p:nvPr>
-            <p:ph type="title"/>
-          </p:nvPr>
-        </p:nvSpPr>
-        <p:spPr/>
-        <p:txBody>
-          <a:bodyPr/>
-          <a:lstStyle/>
-          <a:p>
-            <a:r>
-              <a:rPr lang="en-US"/>
-              <a:t>Click to edit Master title style</a:t>
-            </a:r>
-          </a:p>
-        </p:txBody>
-      </p:sp>
-      <p:sp>
-        <p:nvSpPr>
-          <p:cNvPr id="3" name="Vertical Text Placeholder 2">
-            <a:extLst>
-              <a:ext uri="{FF2B5EF4-FFF2-40B4-BE49-F238E27FC236}">
-                <a16:creationId xmlns:a16="http://schemas.microsoft.com/office/drawing/2014/main" id="{733FF67E-A0D6-4650-94B2-49F76E71DA36}"/>
-              </a:ext>
-            </a:extLst>
-          </p:cNvPr>
-          <p:cNvSpPr>
-            <a:spLocks noGrp="1"/>
-          </p:cNvSpPr>
-          <p:nvPr>
-            <p:ph type="body" orient="vert" idx="1"/>
-          </p:nvPr>
-        </p:nvSpPr>
-        <p:spPr/>
-        <p:txBody>
-          <a:bodyPr vert="eaVert"/>
-          <a:lstStyle/>
-          <a:p>
-            <a:pPr lvl="0"/>
-            <a:r>
-              <a:rPr lang="en-US"/>
-              <a:t>Click to edit Master text styles</a:t>
-            </a:r>
-          </a:p>
-          <a:p>
-            <a:pPr lvl="1"/>
-            <a:r>
-              <a:rPr lang="en-US"/>
-              <a:t>Second level</a:t>
-            </a:r>
-          </a:p>
-          <a:p>
-            <a:pPr lvl="2"/>
-            <a:r>
-              <a:rPr lang="en-US"/>
-              <a:t>Third level</a:t>
-            </a:r>
-          </a:p>
-          <a:p>
-            <a:pPr lvl="3"/>
-            <a:r>
-              <a:rPr lang="en-US"/>
-              <a:t>Fourth level</a:t>
-            </a:r>
-          </a:p>
-          <a:p>
-            <a:pPr lvl="4"/>
-            <a:r>
-              <a:rPr lang="en-US"/>
-              <a:t>Fifth level</a:t>
-            </a:r>
-          </a:p>
-        </p:txBody>
-      </p:sp>
-      <p:sp>
-        <p:nvSpPr>
-          <p:cNvPr id="4" name="Date Placeholder 3">
-            <a:extLst>
-              <a:ext uri="{FF2B5EF4-FFF2-40B4-BE49-F238E27FC236}">
-                <a16:creationId xmlns:a16="http://schemas.microsoft.com/office/drawing/2014/main" id="{A2F969F7-F628-4948-9C6B-D187A8C88CB6}"/>
-              </a:ext>
-            </a:extLst>
-          </p:cNvPr>
-          <p:cNvSpPr>
-            <a:spLocks noGrp="1"/>
-          </p:cNvSpPr>
-          <p:nvPr>
-            <p:ph type="dt" sz="half" idx="10"/>
-          </p:nvPr>
-        </p:nvSpPr>
-        <p:spPr/>
-        <p:txBody>
-          <a:bodyPr/>
-          <a:lstStyle/>
-          <a:p>
-            <a:endParaRPr lang="en-US"/>
-          </a:p>
-        </p:txBody>
-      </p:sp>
-      <p:sp>
-        <p:nvSpPr>
-          <p:cNvPr id="5" name="Footer Placeholder 4">
-            <a:extLst>
-              <a:ext uri="{FF2B5EF4-FFF2-40B4-BE49-F238E27FC236}">
-                <a16:creationId xmlns:a16="http://schemas.microsoft.com/office/drawing/2014/main" id="{296912B5-E4BD-48E9-8095-F1EDD862F0CA}"/>
-              </a:ext>
-            </a:extLst>
-          </p:cNvPr>
-          <p:cNvSpPr>
-            <a:spLocks noGrp="1"/>
-          </p:cNvSpPr>
-          <p:nvPr>
-            <p:ph type="ftr" sz="quarter" idx="11"/>
-          </p:nvPr>
-        </p:nvSpPr>
-        <p:spPr/>
-        <p:txBody>
-          <a:bodyPr/>
-          <a:lstStyle/>
-          <a:p>
-            <a:endParaRPr lang="en-US"/>
-          </a:p>
-        </p:txBody>
-      </p:sp>
-      <p:sp>
-        <p:nvSpPr>
-          <p:cNvPr id="6" name="Slide Number Placeholder 5">
-            <a:extLst>
-              <a:ext uri="{FF2B5EF4-FFF2-40B4-BE49-F238E27FC236}">
-                <a16:creationId xmlns:a16="http://schemas.microsoft.com/office/drawing/2014/main" id="{664301A4-8003-4D8C-8A09-8F142FE65C2A}"/>
-              </a:ext>
-            </a:extLst>
-          </p:cNvPr>
-          <p:cNvSpPr>
-            <a:spLocks noGrp="1"/>
-          </p:cNvSpPr>
-          <p:nvPr>
-            <p:ph type="sldNum" sz="quarter" idx="12"/>
-          </p:nvPr>
-        </p:nvSpPr>
-        <p:spPr/>
-        <p:txBody>
-          <a:bodyPr/>
-          <a:lstStyle/>
-          <a:p>
-            <a:fld id="{5911C0E6-D9CE-431C-92CB-BB39B872F930}" type="slidenum">
-              <a:rPr lang="en-US" smtClean="0"/>
-              <a:t>‹#›</a:t>
-            </a:fld>
-            <a:endParaRPr lang="en-US"/>
-          </a:p>
-        </p:txBody>
-      </p:sp>
-    </p:spTree>
-    <p:extLst>
-      <p:ext uri="{BB962C8B-B14F-4D97-AF65-F5344CB8AC3E}">
-        <p14:creationId xmlns:p14="http://schemas.microsoft.com/office/powerpoint/2010/main" val="4236959394"/>
-      </p:ext>
-    </p:extLst>
-  </p:cSld>
-  <p:clrMapOvr>
-    <a:masterClrMapping/>
-  </p:clrMapOvr>
-</p:sldLayout>
-</file>
-
-<file path=ppt/slideLayouts/slideLayout11.xml><?xml version="1.0" encoding="utf-8"?>
-<p:sldLayout xmlns:a="http://schemas.openxmlformats.org/drawingml/2006/main" xmlns:r="http://schemas.openxmlformats.org/officeDocument/2006/relationships" xmlns:p="http://schemas.openxmlformats.org/presentationml/2006/main" type="vertTitleAndTx" preserve="1">
-  <p:cSld name="Vertical Title and Text">
-    <p:spTree>
-      <p:nvGrpSpPr>
-        <p:cNvPr id="1" name=""/>
-        <p:cNvGrpSpPr/>
-        <p:nvPr/>
-      </p:nvGrpSpPr>
-      <p:grpSpPr>
-        <a:xfrm>
-          <a:off x="0" y="0"/>
-          <a:ext cx="0" cy="0"/>
-          <a:chOff x="0" y="0"/>
-          <a:chExt cx="0" cy="0"/>
-        </a:xfrm>
-      </p:grpSpPr>
-      <p:sp>
-        <p:nvSpPr>
-          <p:cNvPr id="2" name="Vertical Title 1">
-            <a:extLst>
-              <a:ext uri="{FF2B5EF4-FFF2-40B4-BE49-F238E27FC236}">
-                <a16:creationId xmlns:a16="http://schemas.microsoft.com/office/drawing/2014/main" id="{066926A2-C9B6-4E02-91E5-B95F5CAD1DFC}"/>
-              </a:ext>
-            </a:extLst>
-          </p:cNvPr>
-          <p:cNvSpPr>
-            <a:spLocks noGrp="1"/>
-          </p:cNvSpPr>
-          <p:nvPr>
-            <p:ph type="title" orient="vert"/>
-          </p:nvPr>
-        </p:nvSpPr>
-        <p:spPr>
-          <a:xfrm>
-            <a:off x="8724900" y="365125"/>
-            <a:ext cx="2628900" cy="5811838"/>
-          </a:xfrm>
-        </p:spPr>
-        <p:txBody>
-          <a:bodyPr vert="eaVert"/>
-          <a:lstStyle/>
-          <a:p>
-            <a:r>
-              <a:rPr lang="en-US"/>
-              <a:t>Click to edit Master title style</a:t>
-            </a:r>
-          </a:p>
-        </p:txBody>
-      </p:sp>
-      <p:sp>
-        <p:nvSpPr>
-          <p:cNvPr id="3" name="Vertical Text Placeholder 2">
-            <a:extLst>
-              <a:ext uri="{FF2B5EF4-FFF2-40B4-BE49-F238E27FC236}">
-                <a16:creationId xmlns:a16="http://schemas.microsoft.com/office/drawing/2014/main" id="{DB341540-0DC2-40CC-9A9E-483A77A7E175}"/>
-              </a:ext>
-            </a:extLst>
-          </p:cNvPr>
-          <p:cNvSpPr>
-            <a:spLocks noGrp="1"/>
-          </p:cNvSpPr>
-          <p:nvPr>
-            <p:ph type="body" orient="vert" idx="1"/>
-          </p:nvPr>
-        </p:nvSpPr>
-        <p:spPr>
-          <a:xfrm>
-            <a:off x="838200" y="365125"/>
-            <a:ext cx="7734300" cy="5811838"/>
-          </a:xfrm>
-        </p:spPr>
-        <p:txBody>
-          <a:bodyPr vert="eaVert"/>
-          <a:lstStyle/>
-          <a:p>
-            <a:pPr lvl="0"/>
-            <a:r>
-              <a:rPr lang="en-US"/>
-              <a:t>Click to edit Master text styles</a:t>
-            </a:r>
-          </a:p>
-          <a:p>
-            <a:pPr lvl="1"/>
-            <a:r>
-              <a:rPr lang="en-US"/>
-              <a:t>Second level</a:t>
-            </a:r>
-          </a:p>
-          <a:p>
-            <a:pPr lvl="2"/>
-            <a:r>
-              <a:rPr lang="en-US"/>
-              <a:t>Third level</a:t>
-            </a:r>
-          </a:p>
-          <a:p>
-            <a:pPr lvl="3"/>
-            <a:r>
-              <a:rPr lang="en-US"/>
-              <a:t>Fourth level</a:t>
-            </a:r>
-          </a:p>
-          <a:p>
-            <a:pPr lvl="4"/>
-            <a:r>
-              <a:rPr lang="en-US"/>
-              <a:t>Fifth level</a:t>
-            </a:r>
-          </a:p>
-        </p:txBody>
-      </p:sp>
-      <p:sp>
-        <p:nvSpPr>
-          <p:cNvPr id="4" name="Date Placeholder 3">
-            <a:extLst>
-              <a:ext uri="{FF2B5EF4-FFF2-40B4-BE49-F238E27FC236}">
-                <a16:creationId xmlns:a16="http://schemas.microsoft.com/office/drawing/2014/main" id="{3F92CD48-D633-4C43-90AE-0B62A13EA12D}"/>
-              </a:ext>
-            </a:extLst>
-          </p:cNvPr>
-          <p:cNvSpPr>
-            <a:spLocks noGrp="1"/>
-          </p:cNvSpPr>
-          <p:nvPr>
-            <p:ph type="dt" sz="half" idx="10"/>
-          </p:nvPr>
-        </p:nvSpPr>
-        <p:spPr/>
-        <p:txBody>
-          <a:bodyPr/>
-          <a:lstStyle/>
-          <a:p>
-            <a:endParaRPr lang="en-US"/>
-          </a:p>
-        </p:txBody>
-      </p:sp>
-      <p:sp>
-        <p:nvSpPr>
-          <p:cNvPr id="5" name="Footer Placeholder 4">
-            <a:extLst>
-              <a:ext uri="{FF2B5EF4-FFF2-40B4-BE49-F238E27FC236}">
-                <a16:creationId xmlns:a16="http://schemas.microsoft.com/office/drawing/2014/main" id="{72F14EAC-B30D-4677-BA8E-2870B5699DCA}"/>
-              </a:ext>
-            </a:extLst>
-          </p:cNvPr>
-          <p:cNvSpPr>
-            <a:spLocks noGrp="1"/>
-          </p:cNvSpPr>
-          <p:nvPr>
-            <p:ph type="ftr" sz="quarter" idx="11"/>
-          </p:nvPr>
-        </p:nvSpPr>
-        <p:spPr/>
-        <p:txBody>
-          <a:bodyPr/>
-          <a:lstStyle/>
-          <a:p>
-            <a:endParaRPr lang="en-US"/>
-          </a:p>
-        </p:txBody>
-      </p:sp>
-      <p:sp>
-        <p:nvSpPr>
-          <p:cNvPr id="6" name="Slide Number Placeholder 5">
-            <a:extLst>
-              <a:ext uri="{FF2B5EF4-FFF2-40B4-BE49-F238E27FC236}">
-                <a16:creationId xmlns:a16="http://schemas.microsoft.com/office/drawing/2014/main" id="{CA3CD924-51D3-4D42-BA25-10269C6EF8CB}"/>
-              </a:ext>
-            </a:extLst>
-          </p:cNvPr>
-          <p:cNvSpPr>
-            <a:spLocks noGrp="1"/>
-          </p:cNvSpPr>
-          <p:nvPr>
-            <p:ph type="sldNum" sz="quarter" idx="12"/>
-          </p:nvPr>
-        </p:nvSpPr>
-        <p:spPr/>
-        <p:txBody>
-          <a:bodyPr/>
-          <a:lstStyle/>
-          <a:p>
-            <a:fld id="{5911C0E6-D9CE-431C-92CB-BB39B872F930}" type="slidenum">
-              <a:rPr lang="en-US" smtClean="0"/>
-              <a:t>‹#›</a:t>
-            </a:fld>
-            <a:endParaRPr lang="en-US"/>
-          </a:p>
-        </p:txBody>
-      </p:sp>
-    </p:spTree>
-    <p:extLst>
-      <p:ext uri="{BB962C8B-B14F-4D97-AF65-F5344CB8AC3E}">
-        <p14:creationId xmlns:p14="http://schemas.microsoft.com/office/powerpoint/2010/main" val="3956969722"/>
-      </p:ext>
-    </p:extLst>
-  </p:cSld>
-  <p:clrMapOvr>
-    <a:masterClrMapping/>
-  </p:clrMapOvr>
-</p:sldLayout>
-</file>
-
 <file path=ppt/slideLayouts/slideLayout2.xml><?xml version="1.0" encoding="utf-8"?>
 <p:sldLayout xmlns:a="http://schemas.openxmlformats.org/drawingml/2006/main" xmlns:r="http://schemas.openxmlformats.org/officeDocument/2006/relationships" xmlns:p="http://schemas.openxmlformats.org/presentationml/2006/main" type="obj" preserve="1">
   <p:cSld name="Title and Content">
@@ -1263,31 +865,31 @@
           <a:lstStyle>
             <a:lvl1pPr>
               <a:lnSpc>
-                <a:spcPct val="150000"/>
+                <a:spcPct val="100000"/>
               </a:lnSpc>
               <a:defRPr/>
             </a:lvl1pPr>
             <a:lvl2pPr>
               <a:lnSpc>
-                <a:spcPct val="150000"/>
+                <a:spcPct val="100000"/>
               </a:lnSpc>
               <a:defRPr/>
             </a:lvl2pPr>
             <a:lvl3pPr>
               <a:lnSpc>
-                <a:spcPct val="150000"/>
+                <a:spcPct val="100000"/>
               </a:lnSpc>
               <a:defRPr/>
             </a:lvl3pPr>
             <a:lvl4pPr>
               <a:lnSpc>
-                <a:spcPct val="150000"/>
+                <a:spcPct val="100000"/>
               </a:lnSpc>
               <a:defRPr/>
             </a:lvl4pPr>
             <a:lvl5pPr>
               <a:lnSpc>
-                <a:spcPct val="150000"/>
+                <a:spcPct val="100000"/>
               </a:lnSpc>
               <a:defRPr/>
             </a:lvl5pPr>
@@ -2162,1114 +1764,6 @@
 </p:sldLayout>
 </file>
 
-<file path=ppt/slideLayouts/slideLayout6.xml><?xml version="1.0" encoding="utf-8"?>
-<p:sldLayout xmlns:a="http://schemas.openxmlformats.org/drawingml/2006/main" xmlns:r="http://schemas.openxmlformats.org/officeDocument/2006/relationships" xmlns:p="http://schemas.openxmlformats.org/presentationml/2006/main" type="twoTxTwoObj" preserve="1">
-  <p:cSld name="Comparison">
-    <p:spTree>
-      <p:nvGrpSpPr>
-        <p:cNvPr id="1" name=""/>
-        <p:cNvGrpSpPr/>
-        <p:nvPr/>
-      </p:nvGrpSpPr>
-      <p:grpSpPr>
-        <a:xfrm>
-          <a:off x="0" y="0"/>
-          <a:ext cx="0" cy="0"/>
-          <a:chOff x="0" y="0"/>
-          <a:chExt cx="0" cy="0"/>
-        </a:xfrm>
-      </p:grpSpPr>
-      <p:sp>
-        <p:nvSpPr>
-          <p:cNvPr id="2" name="Title 1">
-            <a:extLst>
-              <a:ext uri="{FF2B5EF4-FFF2-40B4-BE49-F238E27FC236}">
-                <a16:creationId xmlns:a16="http://schemas.microsoft.com/office/drawing/2014/main" id="{9419CF83-8D29-4555-9FF8-EC2E695F4635}"/>
-              </a:ext>
-            </a:extLst>
-          </p:cNvPr>
-          <p:cNvSpPr>
-            <a:spLocks noGrp="1"/>
-          </p:cNvSpPr>
-          <p:nvPr>
-            <p:ph type="title"/>
-          </p:nvPr>
-        </p:nvSpPr>
-        <p:spPr>
-          <a:xfrm>
-            <a:off x="839788" y="365125"/>
-            <a:ext cx="10515600" cy="1325563"/>
-          </a:xfrm>
-        </p:spPr>
-        <p:txBody>
-          <a:bodyPr/>
-          <a:lstStyle/>
-          <a:p>
-            <a:r>
-              <a:rPr lang="en-US"/>
-              <a:t>Click to edit Master title style</a:t>
-            </a:r>
-          </a:p>
-        </p:txBody>
-      </p:sp>
-      <p:sp>
-        <p:nvSpPr>
-          <p:cNvPr id="3" name="Text Placeholder 2">
-            <a:extLst>
-              <a:ext uri="{FF2B5EF4-FFF2-40B4-BE49-F238E27FC236}">
-                <a16:creationId xmlns:a16="http://schemas.microsoft.com/office/drawing/2014/main" id="{999CBFEC-721F-4B00-A944-81BE5F540C82}"/>
-              </a:ext>
-            </a:extLst>
-          </p:cNvPr>
-          <p:cNvSpPr>
-            <a:spLocks noGrp="1"/>
-          </p:cNvSpPr>
-          <p:nvPr>
-            <p:ph type="body" idx="1"/>
-          </p:nvPr>
-        </p:nvSpPr>
-        <p:spPr>
-          <a:xfrm>
-            <a:off x="839788" y="1681163"/>
-            <a:ext cx="5157787" cy="823912"/>
-          </a:xfrm>
-        </p:spPr>
-        <p:txBody>
-          <a:bodyPr anchor="b"/>
-          <a:lstStyle>
-            <a:lvl1pPr marL="0" indent="0">
-              <a:buNone/>
-              <a:defRPr sz="2400" b="1"/>
-            </a:lvl1pPr>
-            <a:lvl2pPr marL="457200" indent="0">
-              <a:buNone/>
-              <a:defRPr sz="2000" b="1"/>
-            </a:lvl2pPr>
-            <a:lvl3pPr marL="914400" indent="0">
-              <a:buNone/>
-              <a:defRPr sz="1800" b="1"/>
-            </a:lvl3pPr>
-            <a:lvl4pPr marL="1371600" indent="0">
-              <a:buNone/>
-              <a:defRPr sz="1600" b="1"/>
-            </a:lvl4pPr>
-            <a:lvl5pPr marL="1828800" indent="0">
-              <a:buNone/>
-              <a:defRPr sz="1600" b="1"/>
-            </a:lvl5pPr>
-            <a:lvl6pPr marL="2286000" indent="0">
-              <a:buNone/>
-              <a:defRPr sz="1600" b="1"/>
-            </a:lvl6pPr>
-            <a:lvl7pPr marL="2743200" indent="0">
-              <a:buNone/>
-              <a:defRPr sz="1600" b="1"/>
-            </a:lvl7pPr>
-            <a:lvl8pPr marL="3200400" indent="0">
-              <a:buNone/>
-              <a:defRPr sz="1600" b="1"/>
-            </a:lvl8pPr>
-            <a:lvl9pPr marL="3657600" indent="0">
-              <a:buNone/>
-              <a:defRPr sz="1600" b="1"/>
-            </a:lvl9pPr>
-          </a:lstStyle>
-          <a:p>
-            <a:pPr lvl="0"/>
-            <a:r>
-              <a:rPr lang="en-US"/>
-              <a:t>Click to edit Master text styles</a:t>
-            </a:r>
-          </a:p>
-        </p:txBody>
-      </p:sp>
-      <p:sp>
-        <p:nvSpPr>
-          <p:cNvPr id="4" name="Content Placeholder 3">
-            <a:extLst>
-              <a:ext uri="{FF2B5EF4-FFF2-40B4-BE49-F238E27FC236}">
-                <a16:creationId xmlns:a16="http://schemas.microsoft.com/office/drawing/2014/main" id="{4F58B627-6ED1-4608-BB7B-88BFEF260049}"/>
-              </a:ext>
-            </a:extLst>
-          </p:cNvPr>
-          <p:cNvSpPr>
-            <a:spLocks noGrp="1"/>
-          </p:cNvSpPr>
-          <p:nvPr>
-            <p:ph sz="half" idx="2"/>
-          </p:nvPr>
-        </p:nvSpPr>
-        <p:spPr>
-          <a:xfrm>
-            <a:off x="839788" y="2505075"/>
-            <a:ext cx="5157787" cy="3684588"/>
-          </a:xfrm>
-        </p:spPr>
-        <p:txBody>
-          <a:bodyPr/>
-          <a:lstStyle/>
-          <a:p>
-            <a:pPr lvl="0"/>
-            <a:r>
-              <a:rPr lang="en-US"/>
-              <a:t>Click to edit Master text styles</a:t>
-            </a:r>
-          </a:p>
-          <a:p>
-            <a:pPr lvl="1"/>
-            <a:r>
-              <a:rPr lang="en-US"/>
-              <a:t>Second level</a:t>
-            </a:r>
-          </a:p>
-          <a:p>
-            <a:pPr lvl="2"/>
-            <a:r>
-              <a:rPr lang="en-US"/>
-              <a:t>Third level</a:t>
-            </a:r>
-          </a:p>
-          <a:p>
-            <a:pPr lvl="3"/>
-            <a:r>
-              <a:rPr lang="en-US"/>
-              <a:t>Fourth level</a:t>
-            </a:r>
-          </a:p>
-          <a:p>
-            <a:pPr lvl="4"/>
-            <a:r>
-              <a:rPr lang="en-US"/>
-              <a:t>Fifth level</a:t>
-            </a:r>
-          </a:p>
-        </p:txBody>
-      </p:sp>
-      <p:sp>
-        <p:nvSpPr>
-          <p:cNvPr id="5" name="Text Placeholder 4">
-            <a:extLst>
-              <a:ext uri="{FF2B5EF4-FFF2-40B4-BE49-F238E27FC236}">
-                <a16:creationId xmlns:a16="http://schemas.microsoft.com/office/drawing/2014/main" id="{61392499-63F6-4A01-9560-E2055450570D}"/>
-              </a:ext>
-            </a:extLst>
-          </p:cNvPr>
-          <p:cNvSpPr>
-            <a:spLocks noGrp="1"/>
-          </p:cNvSpPr>
-          <p:nvPr>
-            <p:ph type="body" sz="quarter" idx="3"/>
-          </p:nvPr>
-        </p:nvSpPr>
-        <p:spPr>
-          <a:xfrm>
-            <a:off x="6172200" y="1681163"/>
-            <a:ext cx="5183188" cy="823912"/>
-          </a:xfrm>
-        </p:spPr>
-        <p:txBody>
-          <a:bodyPr anchor="b"/>
-          <a:lstStyle>
-            <a:lvl1pPr marL="0" indent="0">
-              <a:buNone/>
-              <a:defRPr sz="2400" b="1"/>
-            </a:lvl1pPr>
-            <a:lvl2pPr marL="457200" indent="0">
-              <a:buNone/>
-              <a:defRPr sz="2000" b="1"/>
-            </a:lvl2pPr>
-            <a:lvl3pPr marL="914400" indent="0">
-              <a:buNone/>
-              <a:defRPr sz="1800" b="1"/>
-            </a:lvl3pPr>
-            <a:lvl4pPr marL="1371600" indent="0">
-              <a:buNone/>
-              <a:defRPr sz="1600" b="1"/>
-            </a:lvl4pPr>
-            <a:lvl5pPr marL="1828800" indent="0">
-              <a:buNone/>
-              <a:defRPr sz="1600" b="1"/>
-            </a:lvl5pPr>
-            <a:lvl6pPr marL="2286000" indent="0">
-              <a:buNone/>
-              <a:defRPr sz="1600" b="1"/>
-            </a:lvl6pPr>
-            <a:lvl7pPr marL="2743200" indent="0">
-              <a:buNone/>
-              <a:defRPr sz="1600" b="1"/>
-            </a:lvl7pPr>
-            <a:lvl8pPr marL="3200400" indent="0">
-              <a:buNone/>
-              <a:defRPr sz="1600" b="1"/>
-            </a:lvl8pPr>
-            <a:lvl9pPr marL="3657600" indent="0">
-              <a:buNone/>
-              <a:defRPr sz="1600" b="1"/>
-            </a:lvl9pPr>
-          </a:lstStyle>
-          <a:p>
-            <a:pPr lvl="0"/>
-            <a:r>
-              <a:rPr lang="en-US"/>
-              <a:t>Click to edit Master text styles</a:t>
-            </a:r>
-          </a:p>
-        </p:txBody>
-      </p:sp>
-      <p:sp>
-        <p:nvSpPr>
-          <p:cNvPr id="6" name="Content Placeholder 5">
-            <a:extLst>
-              <a:ext uri="{FF2B5EF4-FFF2-40B4-BE49-F238E27FC236}">
-                <a16:creationId xmlns:a16="http://schemas.microsoft.com/office/drawing/2014/main" id="{E0EFBD71-7A56-4D2D-A16A-16B140C43A91}"/>
-              </a:ext>
-            </a:extLst>
-          </p:cNvPr>
-          <p:cNvSpPr>
-            <a:spLocks noGrp="1"/>
-          </p:cNvSpPr>
-          <p:nvPr>
-            <p:ph sz="quarter" idx="4"/>
-          </p:nvPr>
-        </p:nvSpPr>
-        <p:spPr>
-          <a:xfrm>
-            <a:off x="6172200" y="2505075"/>
-            <a:ext cx="5183188" cy="3684588"/>
-          </a:xfrm>
-        </p:spPr>
-        <p:txBody>
-          <a:bodyPr/>
-          <a:lstStyle/>
-          <a:p>
-            <a:pPr lvl="0"/>
-            <a:r>
-              <a:rPr lang="en-US"/>
-              <a:t>Click to edit Master text styles</a:t>
-            </a:r>
-          </a:p>
-          <a:p>
-            <a:pPr lvl="1"/>
-            <a:r>
-              <a:rPr lang="en-US"/>
-              <a:t>Second level</a:t>
-            </a:r>
-          </a:p>
-          <a:p>
-            <a:pPr lvl="2"/>
-            <a:r>
-              <a:rPr lang="en-US"/>
-              <a:t>Third level</a:t>
-            </a:r>
-          </a:p>
-          <a:p>
-            <a:pPr lvl="3"/>
-            <a:r>
-              <a:rPr lang="en-US"/>
-              <a:t>Fourth level</a:t>
-            </a:r>
-          </a:p>
-          <a:p>
-            <a:pPr lvl="4"/>
-            <a:r>
-              <a:rPr lang="en-US"/>
-              <a:t>Fifth level</a:t>
-            </a:r>
-          </a:p>
-        </p:txBody>
-      </p:sp>
-      <p:sp>
-        <p:nvSpPr>
-          <p:cNvPr id="7" name="Date Placeholder 6">
-            <a:extLst>
-              <a:ext uri="{FF2B5EF4-FFF2-40B4-BE49-F238E27FC236}">
-                <a16:creationId xmlns:a16="http://schemas.microsoft.com/office/drawing/2014/main" id="{03895288-E3B3-42F5-B83F-D970A719118E}"/>
-              </a:ext>
-            </a:extLst>
-          </p:cNvPr>
-          <p:cNvSpPr>
-            <a:spLocks noGrp="1"/>
-          </p:cNvSpPr>
-          <p:nvPr>
-            <p:ph type="dt" sz="half" idx="10"/>
-          </p:nvPr>
-        </p:nvSpPr>
-        <p:spPr/>
-        <p:txBody>
-          <a:bodyPr/>
-          <a:lstStyle/>
-          <a:p>
-            <a:endParaRPr lang="en-US"/>
-          </a:p>
-        </p:txBody>
-      </p:sp>
-      <p:sp>
-        <p:nvSpPr>
-          <p:cNvPr id="8" name="Footer Placeholder 7">
-            <a:extLst>
-              <a:ext uri="{FF2B5EF4-FFF2-40B4-BE49-F238E27FC236}">
-                <a16:creationId xmlns:a16="http://schemas.microsoft.com/office/drawing/2014/main" id="{43A61DF6-AE5E-4DD7-A248-343D341B38A3}"/>
-              </a:ext>
-            </a:extLst>
-          </p:cNvPr>
-          <p:cNvSpPr>
-            <a:spLocks noGrp="1"/>
-          </p:cNvSpPr>
-          <p:nvPr>
-            <p:ph type="ftr" sz="quarter" idx="11"/>
-          </p:nvPr>
-        </p:nvSpPr>
-        <p:spPr/>
-        <p:txBody>
-          <a:bodyPr/>
-          <a:lstStyle/>
-          <a:p>
-            <a:endParaRPr lang="en-US"/>
-          </a:p>
-        </p:txBody>
-      </p:sp>
-      <p:sp>
-        <p:nvSpPr>
-          <p:cNvPr id="9" name="Slide Number Placeholder 8">
-            <a:extLst>
-              <a:ext uri="{FF2B5EF4-FFF2-40B4-BE49-F238E27FC236}">
-                <a16:creationId xmlns:a16="http://schemas.microsoft.com/office/drawing/2014/main" id="{07D6CEAF-E2C7-4F56-B7B7-3C4B19F80430}"/>
-              </a:ext>
-            </a:extLst>
-          </p:cNvPr>
-          <p:cNvSpPr>
-            <a:spLocks noGrp="1"/>
-          </p:cNvSpPr>
-          <p:nvPr>
-            <p:ph type="sldNum" sz="quarter" idx="12"/>
-          </p:nvPr>
-        </p:nvSpPr>
-        <p:spPr/>
-        <p:txBody>
-          <a:bodyPr/>
-          <a:lstStyle/>
-          <a:p>
-            <a:fld id="{5911C0E6-D9CE-431C-92CB-BB39B872F930}" type="slidenum">
-              <a:rPr lang="en-US" smtClean="0"/>
-              <a:t>‹#›</a:t>
-            </a:fld>
-            <a:endParaRPr lang="en-US"/>
-          </a:p>
-        </p:txBody>
-      </p:sp>
-    </p:spTree>
-    <p:extLst>
-      <p:ext uri="{BB962C8B-B14F-4D97-AF65-F5344CB8AC3E}">
-        <p14:creationId xmlns:p14="http://schemas.microsoft.com/office/powerpoint/2010/main" val="2882641564"/>
-      </p:ext>
-    </p:extLst>
-  </p:cSld>
-  <p:clrMapOvr>
-    <a:masterClrMapping/>
-  </p:clrMapOvr>
-</p:sldLayout>
-</file>
-
-<file path=ppt/slideLayouts/slideLayout7.xml><?xml version="1.0" encoding="utf-8"?>
-<p:sldLayout xmlns:a="http://schemas.openxmlformats.org/drawingml/2006/main" xmlns:r="http://schemas.openxmlformats.org/officeDocument/2006/relationships" xmlns:p="http://schemas.openxmlformats.org/presentationml/2006/main" type="blank" preserve="1">
-  <p:cSld name="Blank">
-    <p:spTree>
-      <p:nvGrpSpPr>
-        <p:cNvPr id="1" name=""/>
-        <p:cNvGrpSpPr/>
-        <p:nvPr/>
-      </p:nvGrpSpPr>
-      <p:grpSpPr>
-        <a:xfrm>
-          <a:off x="0" y="0"/>
-          <a:ext cx="0" cy="0"/>
-          <a:chOff x="0" y="0"/>
-          <a:chExt cx="0" cy="0"/>
-        </a:xfrm>
-      </p:grpSpPr>
-      <p:sp>
-        <p:nvSpPr>
-          <p:cNvPr id="2" name="Date Placeholder 1">
-            <a:extLst>
-              <a:ext uri="{FF2B5EF4-FFF2-40B4-BE49-F238E27FC236}">
-                <a16:creationId xmlns:a16="http://schemas.microsoft.com/office/drawing/2014/main" id="{564A58A6-9497-4602-8410-9582AF89F6E9}"/>
-              </a:ext>
-            </a:extLst>
-          </p:cNvPr>
-          <p:cNvSpPr>
-            <a:spLocks noGrp="1"/>
-          </p:cNvSpPr>
-          <p:nvPr>
-            <p:ph type="dt" sz="half" idx="10"/>
-          </p:nvPr>
-        </p:nvSpPr>
-        <p:spPr/>
-        <p:txBody>
-          <a:bodyPr/>
-          <a:lstStyle/>
-          <a:p>
-            <a:endParaRPr lang="en-US"/>
-          </a:p>
-        </p:txBody>
-      </p:sp>
-      <p:sp>
-        <p:nvSpPr>
-          <p:cNvPr id="3" name="Footer Placeholder 2">
-            <a:extLst>
-              <a:ext uri="{FF2B5EF4-FFF2-40B4-BE49-F238E27FC236}">
-                <a16:creationId xmlns:a16="http://schemas.microsoft.com/office/drawing/2014/main" id="{B7EF2855-21B3-46AD-A09A-BF3FFC0FBE27}"/>
-              </a:ext>
-            </a:extLst>
-          </p:cNvPr>
-          <p:cNvSpPr>
-            <a:spLocks noGrp="1"/>
-          </p:cNvSpPr>
-          <p:nvPr>
-            <p:ph type="ftr" sz="quarter" idx="11"/>
-          </p:nvPr>
-        </p:nvSpPr>
-        <p:spPr/>
-        <p:txBody>
-          <a:bodyPr/>
-          <a:lstStyle/>
-          <a:p>
-            <a:endParaRPr lang="en-US"/>
-          </a:p>
-        </p:txBody>
-      </p:sp>
-      <p:sp>
-        <p:nvSpPr>
-          <p:cNvPr id="4" name="Slide Number Placeholder 3">
-            <a:extLst>
-              <a:ext uri="{FF2B5EF4-FFF2-40B4-BE49-F238E27FC236}">
-                <a16:creationId xmlns:a16="http://schemas.microsoft.com/office/drawing/2014/main" id="{C6A7E9D0-3951-4711-A315-85055E0B25D0}"/>
-              </a:ext>
-            </a:extLst>
-          </p:cNvPr>
-          <p:cNvSpPr>
-            <a:spLocks noGrp="1"/>
-          </p:cNvSpPr>
-          <p:nvPr>
-            <p:ph type="sldNum" sz="quarter" idx="12"/>
-          </p:nvPr>
-        </p:nvSpPr>
-        <p:spPr/>
-        <p:txBody>
-          <a:bodyPr/>
-          <a:lstStyle/>
-          <a:p>
-            <a:fld id="{5911C0E6-D9CE-431C-92CB-BB39B872F930}" type="slidenum">
-              <a:rPr lang="en-US" smtClean="0"/>
-              <a:t>‹#›</a:t>
-            </a:fld>
-            <a:endParaRPr lang="en-US"/>
-          </a:p>
-        </p:txBody>
-      </p:sp>
-    </p:spTree>
-    <p:extLst>
-      <p:ext uri="{BB962C8B-B14F-4D97-AF65-F5344CB8AC3E}">
-        <p14:creationId xmlns:p14="http://schemas.microsoft.com/office/powerpoint/2010/main" val="3873831724"/>
-      </p:ext>
-    </p:extLst>
-  </p:cSld>
-  <p:clrMapOvr>
-    <a:masterClrMapping/>
-  </p:clrMapOvr>
-</p:sldLayout>
-</file>
-
-<file path=ppt/slideLayouts/slideLayout8.xml><?xml version="1.0" encoding="utf-8"?>
-<p:sldLayout xmlns:a="http://schemas.openxmlformats.org/drawingml/2006/main" xmlns:r="http://schemas.openxmlformats.org/officeDocument/2006/relationships" xmlns:p="http://schemas.openxmlformats.org/presentationml/2006/main" type="objTx" preserve="1">
-  <p:cSld name="Content with Caption">
-    <p:spTree>
-      <p:nvGrpSpPr>
-        <p:cNvPr id="1" name=""/>
-        <p:cNvGrpSpPr/>
-        <p:nvPr/>
-      </p:nvGrpSpPr>
-      <p:grpSpPr>
-        <a:xfrm>
-          <a:off x="0" y="0"/>
-          <a:ext cx="0" cy="0"/>
-          <a:chOff x="0" y="0"/>
-          <a:chExt cx="0" cy="0"/>
-        </a:xfrm>
-      </p:grpSpPr>
-      <p:sp>
-        <p:nvSpPr>
-          <p:cNvPr id="2" name="Title 1">
-            <a:extLst>
-              <a:ext uri="{FF2B5EF4-FFF2-40B4-BE49-F238E27FC236}">
-                <a16:creationId xmlns:a16="http://schemas.microsoft.com/office/drawing/2014/main" id="{F73716BD-BDDD-404B-A737-D451640E51D7}"/>
-              </a:ext>
-            </a:extLst>
-          </p:cNvPr>
-          <p:cNvSpPr>
-            <a:spLocks noGrp="1"/>
-          </p:cNvSpPr>
-          <p:nvPr>
-            <p:ph type="title"/>
-          </p:nvPr>
-        </p:nvSpPr>
-        <p:spPr>
-          <a:xfrm>
-            <a:off x="839788" y="457200"/>
-            <a:ext cx="3932237" cy="1600200"/>
-          </a:xfrm>
-        </p:spPr>
-        <p:txBody>
-          <a:bodyPr anchor="b"/>
-          <a:lstStyle>
-            <a:lvl1pPr>
-              <a:defRPr sz="3200"/>
-            </a:lvl1pPr>
-          </a:lstStyle>
-          <a:p>
-            <a:r>
-              <a:rPr lang="en-US"/>
-              <a:t>Click to edit Master title style</a:t>
-            </a:r>
-          </a:p>
-        </p:txBody>
-      </p:sp>
-      <p:sp>
-        <p:nvSpPr>
-          <p:cNvPr id="3" name="Content Placeholder 2">
-            <a:extLst>
-              <a:ext uri="{FF2B5EF4-FFF2-40B4-BE49-F238E27FC236}">
-                <a16:creationId xmlns:a16="http://schemas.microsoft.com/office/drawing/2014/main" id="{06D10A48-15AA-440B-94D7-208B6A192EF7}"/>
-              </a:ext>
-            </a:extLst>
-          </p:cNvPr>
-          <p:cNvSpPr>
-            <a:spLocks noGrp="1"/>
-          </p:cNvSpPr>
-          <p:nvPr>
-            <p:ph idx="1"/>
-          </p:nvPr>
-        </p:nvSpPr>
-        <p:spPr>
-          <a:xfrm>
-            <a:off x="5183188" y="987425"/>
-            <a:ext cx="6172200" cy="4873625"/>
-          </a:xfrm>
-        </p:spPr>
-        <p:txBody>
-          <a:bodyPr/>
-          <a:lstStyle>
-            <a:lvl1pPr>
-              <a:defRPr sz="3200"/>
-            </a:lvl1pPr>
-            <a:lvl2pPr>
-              <a:defRPr sz="2800"/>
-            </a:lvl2pPr>
-            <a:lvl3pPr>
-              <a:defRPr sz="2400"/>
-            </a:lvl3pPr>
-            <a:lvl4pPr>
-              <a:defRPr sz="2000"/>
-            </a:lvl4pPr>
-            <a:lvl5pPr>
-              <a:defRPr sz="2000"/>
-            </a:lvl5pPr>
-            <a:lvl6pPr>
-              <a:defRPr sz="2000"/>
-            </a:lvl6pPr>
-            <a:lvl7pPr>
-              <a:defRPr sz="2000"/>
-            </a:lvl7pPr>
-            <a:lvl8pPr>
-              <a:defRPr sz="2000"/>
-            </a:lvl8pPr>
-            <a:lvl9pPr>
-              <a:defRPr sz="2000"/>
-            </a:lvl9pPr>
-          </a:lstStyle>
-          <a:p>
-            <a:pPr lvl="0"/>
-            <a:r>
-              <a:rPr lang="en-US"/>
-              <a:t>Click to edit Master text styles</a:t>
-            </a:r>
-          </a:p>
-          <a:p>
-            <a:pPr lvl="1"/>
-            <a:r>
-              <a:rPr lang="en-US"/>
-              <a:t>Second level</a:t>
-            </a:r>
-          </a:p>
-          <a:p>
-            <a:pPr lvl="2"/>
-            <a:r>
-              <a:rPr lang="en-US"/>
-              <a:t>Third level</a:t>
-            </a:r>
-          </a:p>
-          <a:p>
-            <a:pPr lvl="3"/>
-            <a:r>
-              <a:rPr lang="en-US"/>
-              <a:t>Fourth level</a:t>
-            </a:r>
-          </a:p>
-          <a:p>
-            <a:pPr lvl="4"/>
-            <a:r>
-              <a:rPr lang="en-US"/>
-              <a:t>Fifth level</a:t>
-            </a:r>
-          </a:p>
-        </p:txBody>
-      </p:sp>
-      <p:sp>
-        <p:nvSpPr>
-          <p:cNvPr id="4" name="Text Placeholder 3">
-            <a:extLst>
-              <a:ext uri="{FF2B5EF4-FFF2-40B4-BE49-F238E27FC236}">
-                <a16:creationId xmlns:a16="http://schemas.microsoft.com/office/drawing/2014/main" id="{9B1BD622-7B5B-4961-8450-FA006C270CD4}"/>
-              </a:ext>
-            </a:extLst>
-          </p:cNvPr>
-          <p:cNvSpPr>
-            <a:spLocks noGrp="1"/>
-          </p:cNvSpPr>
-          <p:nvPr>
-            <p:ph type="body" sz="half" idx="2"/>
-          </p:nvPr>
-        </p:nvSpPr>
-        <p:spPr>
-          <a:xfrm>
-            <a:off x="839788" y="2057400"/>
-            <a:ext cx="3932237" cy="3811588"/>
-          </a:xfrm>
-        </p:spPr>
-        <p:txBody>
-          <a:bodyPr/>
-          <a:lstStyle>
-            <a:lvl1pPr marL="0" indent="0">
-              <a:buNone/>
-              <a:defRPr sz="1600"/>
-            </a:lvl1pPr>
-            <a:lvl2pPr marL="457200" indent="0">
-              <a:buNone/>
-              <a:defRPr sz="1400"/>
-            </a:lvl2pPr>
-            <a:lvl3pPr marL="914400" indent="0">
-              <a:buNone/>
-              <a:defRPr sz="1200"/>
-            </a:lvl3pPr>
-            <a:lvl4pPr marL="1371600" indent="0">
-              <a:buNone/>
-              <a:defRPr sz="1000"/>
-            </a:lvl4pPr>
-            <a:lvl5pPr marL="1828800" indent="0">
-              <a:buNone/>
-              <a:defRPr sz="1000"/>
-            </a:lvl5pPr>
-            <a:lvl6pPr marL="2286000" indent="0">
-              <a:buNone/>
-              <a:defRPr sz="1000"/>
-            </a:lvl6pPr>
-            <a:lvl7pPr marL="2743200" indent="0">
-              <a:buNone/>
-              <a:defRPr sz="1000"/>
-            </a:lvl7pPr>
-            <a:lvl8pPr marL="3200400" indent="0">
-              <a:buNone/>
-              <a:defRPr sz="1000"/>
-            </a:lvl8pPr>
-            <a:lvl9pPr marL="3657600" indent="0">
-              <a:buNone/>
-              <a:defRPr sz="1000"/>
-            </a:lvl9pPr>
-          </a:lstStyle>
-          <a:p>
-            <a:pPr lvl="0"/>
-            <a:r>
-              <a:rPr lang="en-US"/>
-              <a:t>Click to edit Master text styles</a:t>
-            </a:r>
-          </a:p>
-        </p:txBody>
-      </p:sp>
-      <p:sp>
-        <p:nvSpPr>
-          <p:cNvPr id="5" name="Date Placeholder 4">
-            <a:extLst>
-              <a:ext uri="{FF2B5EF4-FFF2-40B4-BE49-F238E27FC236}">
-                <a16:creationId xmlns:a16="http://schemas.microsoft.com/office/drawing/2014/main" id="{21D8B510-0A2B-4BE4-A2BF-37039DD82919}"/>
-              </a:ext>
-            </a:extLst>
-          </p:cNvPr>
-          <p:cNvSpPr>
-            <a:spLocks noGrp="1"/>
-          </p:cNvSpPr>
-          <p:nvPr>
-            <p:ph type="dt" sz="half" idx="10"/>
-          </p:nvPr>
-        </p:nvSpPr>
-        <p:spPr/>
-        <p:txBody>
-          <a:bodyPr/>
-          <a:lstStyle/>
-          <a:p>
-            <a:endParaRPr lang="en-US"/>
-          </a:p>
-        </p:txBody>
-      </p:sp>
-      <p:sp>
-        <p:nvSpPr>
-          <p:cNvPr id="6" name="Footer Placeholder 5">
-            <a:extLst>
-              <a:ext uri="{FF2B5EF4-FFF2-40B4-BE49-F238E27FC236}">
-                <a16:creationId xmlns:a16="http://schemas.microsoft.com/office/drawing/2014/main" id="{D1560D50-3050-4615-B3DB-A5BD19924991}"/>
-              </a:ext>
-            </a:extLst>
-          </p:cNvPr>
-          <p:cNvSpPr>
-            <a:spLocks noGrp="1"/>
-          </p:cNvSpPr>
-          <p:nvPr>
-            <p:ph type="ftr" sz="quarter" idx="11"/>
-          </p:nvPr>
-        </p:nvSpPr>
-        <p:spPr/>
-        <p:txBody>
-          <a:bodyPr/>
-          <a:lstStyle/>
-          <a:p>
-            <a:endParaRPr lang="en-US"/>
-          </a:p>
-        </p:txBody>
-      </p:sp>
-      <p:sp>
-        <p:nvSpPr>
-          <p:cNvPr id="7" name="Slide Number Placeholder 6">
-            <a:extLst>
-              <a:ext uri="{FF2B5EF4-FFF2-40B4-BE49-F238E27FC236}">
-                <a16:creationId xmlns:a16="http://schemas.microsoft.com/office/drawing/2014/main" id="{0BBF9272-3109-4994-82DF-63220203D3D3}"/>
-              </a:ext>
-            </a:extLst>
-          </p:cNvPr>
-          <p:cNvSpPr>
-            <a:spLocks noGrp="1"/>
-          </p:cNvSpPr>
-          <p:nvPr>
-            <p:ph type="sldNum" sz="quarter" idx="12"/>
-          </p:nvPr>
-        </p:nvSpPr>
-        <p:spPr/>
-        <p:txBody>
-          <a:bodyPr/>
-          <a:lstStyle/>
-          <a:p>
-            <a:fld id="{5911C0E6-D9CE-431C-92CB-BB39B872F930}" type="slidenum">
-              <a:rPr lang="en-US" smtClean="0"/>
-              <a:t>‹#›</a:t>
-            </a:fld>
-            <a:endParaRPr lang="en-US"/>
-          </a:p>
-        </p:txBody>
-      </p:sp>
-    </p:spTree>
-    <p:extLst>
-      <p:ext uri="{BB962C8B-B14F-4D97-AF65-F5344CB8AC3E}">
-        <p14:creationId xmlns:p14="http://schemas.microsoft.com/office/powerpoint/2010/main" val="4232083128"/>
-      </p:ext>
-    </p:extLst>
-  </p:cSld>
-  <p:clrMapOvr>
-    <a:masterClrMapping/>
-  </p:clrMapOvr>
-</p:sldLayout>
-</file>
-
-<file path=ppt/slideLayouts/slideLayout9.xml><?xml version="1.0" encoding="utf-8"?>
-<p:sldLayout xmlns:a="http://schemas.openxmlformats.org/drawingml/2006/main" xmlns:r="http://schemas.openxmlformats.org/officeDocument/2006/relationships" xmlns:p="http://schemas.openxmlformats.org/presentationml/2006/main" type="picTx" preserve="1">
-  <p:cSld name="Picture with Caption">
-    <p:spTree>
-      <p:nvGrpSpPr>
-        <p:cNvPr id="1" name=""/>
-        <p:cNvGrpSpPr/>
-        <p:nvPr/>
-      </p:nvGrpSpPr>
-      <p:grpSpPr>
-        <a:xfrm>
-          <a:off x="0" y="0"/>
-          <a:ext cx="0" cy="0"/>
-          <a:chOff x="0" y="0"/>
-          <a:chExt cx="0" cy="0"/>
-        </a:xfrm>
-      </p:grpSpPr>
-      <p:sp>
-        <p:nvSpPr>
-          <p:cNvPr id="2" name="Title 1">
-            <a:extLst>
-              <a:ext uri="{FF2B5EF4-FFF2-40B4-BE49-F238E27FC236}">
-                <a16:creationId xmlns:a16="http://schemas.microsoft.com/office/drawing/2014/main" id="{FCE1A70D-8DA6-41B3-B0BD-6720143CB8E0}"/>
-              </a:ext>
-            </a:extLst>
-          </p:cNvPr>
-          <p:cNvSpPr>
-            <a:spLocks noGrp="1"/>
-          </p:cNvSpPr>
-          <p:nvPr>
-            <p:ph type="title"/>
-          </p:nvPr>
-        </p:nvSpPr>
-        <p:spPr>
-          <a:xfrm>
-            <a:off x="839788" y="457200"/>
-            <a:ext cx="3932237" cy="1600200"/>
-          </a:xfrm>
-        </p:spPr>
-        <p:txBody>
-          <a:bodyPr anchor="b"/>
-          <a:lstStyle>
-            <a:lvl1pPr>
-              <a:defRPr sz="3200"/>
-            </a:lvl1pPr>
-          </a:lstStyle>
-          <a:p>
-            <a:r>
-              <a:rPr lang="en-US"/>
-              <a:t>Click to edit Master title style</a:t>
-            </a:r>
-          </a:p>
-        </p:txBody>
-      </p:sp>
-      <p:sp>
-        <p:nvSpPr>
-          <p:cNvPr id="3" name="Picture Placeholder 2">
-            <a:extLst>
-              <a:ext uri="{FF2B5EF4-FFF2-40B4-BE49-F238E27FC236}">
-                <a16:creationId xmlns:a16="http://schemas.microsoft.com/office/drawing/2014/main" id="{88C84238-60FD-438B-A4D3-E3183A4338B5}"/>
-              </a:ext>
-            </a:extLst>
-          </p:cNvPr>
-          <p:cNvSpPr>
-            <a:spLocks noGrp="1"/>
-          </p:cNvSpPr>
-          <p:nvPr>
-            <p:ph type="pic" idx="1"/>
-          </p:nvPr>
-        </p:nvSpPr>
-        <p:spPr>
-          <a:xfrm>
-            <a:off x="5183188" y="987425"/>
-            <a:ext cx="6172200" cy="4873625"/>
-          </a:xfrm>
-        </p:spPr>
-        <p:txBody>
-          <a:bodyPr/>
-          <a:lstStyle>
-            <a:lvl1pPr marL="0" indent="0">
-              <a:buNone/>
-              <a:defRPr sz="3200"/>
-            </a:lvl1pPr>
-            <a:lvl2pPr marL="457200" indent="0">
-              <a:buNone/>
-              <a:defRPr sz="2800"/>
-            </a:lvl2pPr>
-            <a:lvl3pPr marL="914400" indent="0">
-              <a:buNone/>
-              <a:defRPr sz="2400"/>
-            </a:lvl3pPr>
-            <a:lvl4pPr marL="1371600" indent="0">
-              <a:buNone/>
-              <a:defRPr sz="2000"/>
-            </a:lvl4pPr>
-            <a:lvl5pPr marL="1828800" indent="0">
-              <a:buNone/>
-              <a:defRPr sz="2000"/>
-            </a:lvl5pPr>
-            <a:lvl6pPr marL="2286000" indent="0">
-              <a:buNone/>
-              <a:defRPr sz="2000"/>
-            </a:lvl6pPr>
-            <a:lvl7pPr marL="2743200" indent="0">
-              <a:buNone/>
-              <a:defRPr sz="2000"/>
-            </a:lvl7pPr>
-            <a:lvl8pPr marL="3200400" indent="0">
-              <a:buNone/>
-              <a:defRPr sz="2000"/>
-            </a:lvl8pPr>
-            <a:lvl9pPr marL="3657600" indent="0">
-              <a:buNone/>
-              <a:defRPr sz="2000"/>
-            </a:lvl9pPr>
-          </a:lstStyle>
-          <a:p>
-            <a:endParaRPr lang="en-US"/>
-          </a:p>
-        </p:txBody>
-      </p:sp>
-      <p:sp>
-        <p:nvSpPr>
-          <p:cNvPr id="4" name="Text Placeholder 3">
-            <a:extLst>
-              <a:ext uri="{FF2B5EF4-FFF2-40B4-BE49-F238E27FC236}">
-                <a16:creationId xmlns:a16="http://schemas.microsoft.com/office/drawing/2014/main" id="{A96F590D-599E-4ACA-8854-9CCCDC01DB5C}"/>
-              </a:ext>
-            </a:extLst>
-          </p:cNvPr>
-          <p:cNvSpPr>
-            <a:spLocks noGrp="1"/>
-          </p:cNvSpPr>
-          <p:nvPr>
-            <p:ph type="body" sz="half" idx="2"/>
-          </p:nvPr>
-        </p:nvSpPr>
-        <p:spPr>
-          <a:xfrm>
-            <a:off x="839788" y="2057400"/>
-            <a:ext cx="3932237" cy="3811588"/>
-          </a:xfrm>
-        </p:spPr>
-        <p:txBody>
-          <a:bodyPr/>
-          <a:lstStyle>
-            <a:lvl1pPr marL="0" indent="0">
-              <a:buNone/>
-              <a:defRPr sz="1600"/>
-            </a:lvl1pPr>
-            <a:lvl2pPr marL="457200" indent="0">
-              <a:buNone/>
-              <a:defRPr sz="1400"/>
-            </a:lvl2pPr>
-            <a:lvl3pPr marL="914400" indent="0">
-              <a:buNone/>
-              <a:defRPr sz="1200"/>
-            </a:lvl3pPr>
-            <a:lvl4pPr marL="1371600" indent="0">
-              <a:buNone/>
-              <a:defRPr sz="1000"/>
-            </a:lvl4pPr>
-            <a:lvl5pPr marL="1828800" indent="0">
-              <a:buNone/>
-              <a:defRPr sz="1000"/>
-            </a:lvl5pPr>
-            <a:lvl6pPr marL="2286000" indent="0">
-              <a:buNone/>
-              <a:defRPr sz="1000"/>
-            </a:lvl6pPr>
-            <a:lvl7pPr marL="2743200" indent="0">
-              <a:buNone/>
-              <a:defRPr sz="1000"/>
-            </a:lvl7pPr>
-            <a:lvl8pPr marL="3200400" indent="0">
-              <a:buNone/>
-              <a:defRPr sz="1000"/>
-            </a:lvl8pPr>
-            <a:lvl9pPr marL="3657600" indent="0">
-              <a:buNone/>
-              <a:defRPr sz="1000"/>
-            </a:lvl9pPr>
-          </a:lstStyle>
-          <a:p>
-            <a:pPr lvl="0"/>
-            <a:r>
-              <a:rPr lang="en-US"/>
-              <a:t>Click to edit Master text styles</a:t>
-            </a:r>
-          </a:p>
-        </p:txBody>
-      </p:sp>
-      <p:sp>
-        <p:nvSpPr>
-          <p:cNvPr id="5" name="Date Placeholder 4">
-            <a:extLst>
-              <a:ext uri="{FF2B5EF4-FFF2-40B4-BE49-F238E27FC236}">
-                <a16:creationId xmlns:a16="http://schemas.microsoft.com/office/drawing/2014/main" id="{A37FB307-B30F-473C-B014-03F8C3E0A856}"/>
-              </a:ext>
-            </a:extLst>
-          </p:cNvPr>
-          <p:cNvSpPr>
-            <a:spLocks noGrp="1"/>
-          </p:cNvSpPr>
-          <p:nvPr>
-            <p:ph type="dt" sz="half" idx="10"/>
-          </p:nvPr>
-        </p:nvSpPr>
-        <p:spPr/>
-        <p:txBody>
-          <a:bodyPr/>
-          <a:lstStyle/>
-          <a:p>
-            <a:endParaRPr lang="en-US"/>
-          </a:p>
-        </p:txBody>
-      </p:sp>
-      <p:sp>
-        <p:nvSpPr>
-          <p:cNvPr id="6" name="Footer Placeholder 5">
-            <a:extLst>
-              <a:ext uri="{FF2B5EF4-FFF2-40B4-BE49-F238E27FC236}">
-                <a16:creationId xmlns:a16="http://schemas.microsoft.com/office/drawing/2014/main" id="{62896B3E-9305-48BB-A601-5A741B66CF00}"/>
-              </a:ext>
-            </a:extLst>
-          </p:cNvPr>
-          <p:cNvSpPr>
-            <a:spLocks noGrp="1"/>
-          </p:cNvSpPr>
-          <p:nvPr>
-            <p:ph type="ftr" sz="quarter" idx="11"/>
-          </p:nvPr>
-        </p:nvSpPr>
-        <p:spPr/>
-        <p:txBody>
-          <a:bodyPr/>
-          <a:lstStyle/>
-          <a:p>
-            <a:endParaRPr lang="en-US"/>
-          </a:p>
-        </p:txBody>
-      </p:sp>
-      <p:sp>
-        <p:nvSpPr>
-          <p:cNvPr id="7" name="Slide Number Placeholder 6">
-            <a:extLst>
-              <a:ext uri="{FF2B5EF4-FFF2-40B4-BE49-F238E27FC236}">
-                <a16:creationId xmlns:a16="http://schemas.microsoft.com/office/drawing/2014/main" id="{D14D4B01-7215-42D9-96F3-99337EFD49E3}"/>
-              </a:ext>
-            </a:extLst>
-          </p:cNvPr>
-          <p:cNvSpPr>
-            <a:spLocks noGrp="1"/>
-          </p:cNvSpPr>
-          <p:nvPr>
-            <p:ph type="sldNum" sz="quarter" idx="12"/>
-          </p:nvPr>
-        </p:nvSpPr>
-        <p:spPr/>
-        <p:txBody>
-          <a:bodyPr/>
-          <a:lstStyle/>
-          <a:p>
-            <a:fld id="{5911C0E6-D9CE-431C-92CB-BB39B872F930}" type="slidenum">
-              <a:rPr lang="en-US" smtClean="0"/>
-              <a:t>‹#›</a:t>
-            </a:fld>
-            <a:endParaRPr lang="en-US"/>
-          </a:p>
-        </p:txBody>
-      </p:sp>
-    </p:spTree>
-    <p:extLst>
-      <p:ext uri="{BB962C8B-B14F-4D97-AF65-F5344CB8AC3E}">
-        <p14:creationId xmlns:p14="http://schemas.microsoft.com/office/powerpoint/2010/main" val="2205565820"/>
-      </p:ext>
-    </p:extLst>
-  </p:cSld>
-  <p:clrMapOvr>
-    <a:masterClrMapping/>
-  </p:clrMapOvr>
-</p:sldLayout>
-</file>
-
 <file path=ppt/slideMasters/slideMaster1.xml><?xml version="1.0" encoding="utf-8"?>
 <p:sldMaster xmlns:a="http://schemas.openxmlformats.org/drawingml/2006/main" xmlns:r="http://schemas.openxmlformats.org/officeDocument/2006/relationships" xmlns:p="http://schemas.openxmlformats.org/presentationml/2006/main">
   <p:cSld>
@@ -3307,7 +1801,7 @@
           <p:nvPr userDrawn="1"/>
         </p:nvPicPr>
         <p:blipFill rotWithShape="1">
-          <a:blip r:embed="rId13">
+          <a:blip r:embed="rId7">
             <a:alphaModFix/>
             <a:extLst>
               <a:ext uri="{28A0092B-C50C-407E-A947-70E740481C1C}">
@@ -3384,8 +1878,8 @@
         </p:nvSpPr>
         <p:spPr>
           <a:xfrm>
-            <a:off x="838200" y="1825625"/>
-            <a:ext cx="10515600" cy="4351338"/>
+            <a:off x="838200" y="1089362"/>
+            <a:ext cx="10515600" cy="5087601"/>
           </a:xfrm>
           <a:prstGeom prst="rect">
             <a:avLst/>
@@ -3580,12 +2074,6 @@
     <p:sldLayoutId id="2147483654" r:id="rId3"/>
     <p:sldLayoutId id="2147483651" r:id="rId4"/>
     <p:sldLayoutId id="2147483652" r:id="rId5"/>
-    <p:sldLayoutId id="2147483653" r:id="rId6"/>
-    <p:sldLayoutId id="2147483655" r:id="rId7"/>
-    <p:sldLayoutId id="2147483656" r:id="rId8"/>
-    <p:sldLayoutId id="2147483657" r:id="rId9"/>
-    <p:sldLayoutId id="2147483658" r:id="rId10"/>
-    <p:sldLayoutId id="2147483659" r:id="rId11"/>
   </p:sldLayoutIdLst>
   <p:hf hdr="0" ftr="0" dt="0"/>
   <p:txStyles>
@@ -3611,11 +2099,14 @@
     <p:bodyStyle>
       <a:lvl1pPr marL="228600" indent="-228600" algn="l" defTabSz="914400" rtl="0" eaLnBrk="1" latinLnBrk="0" hangingPunct="1">
         <a:lnSpc>
-          <a:spcPct val="150000"/>
+          <a:spcPct val="100000"/>
         </a:lnSpc>
         <a:spcBef>
           <a:spcPts val="1000"/>
         </a:spcBef>
+        <a:spcAft>
+          <a:spcPts val="1600"/>
+        </a:spcAft>
         <a:buFont typeface="Arial" panose="020B0604020202020204" pitchFamily="34" charset="0"/>
         <a:buChar char="•"/>
         <a:defRPr sz="2800" kern="1200">
@@ -3629,11 +2120,14 @@
       </a:lvl1pPr>
       <a:lvl2pPr marL="685800" indent="-228600" algn="l" defTabSz="914400" rtl="0" eaLnBrk="1" latinLnBrk="0" hangingPunct="1">
         <a:lnSpc>
-          <a:spcPct val="150000"/>
+          <a:spcPct val="100000"/>
         </a:lnSpc>
         <a:spcBef>
           <a:spcPts val="500"/>
         </a:spcBef>
+        <a:spcAft>
+          <a:spcPts val="1600"/>
+        </a:spcAft>
         <a:buFont typeface="Arial" panose="020B0604020202020204" pitchFamily="34" charset="0"/>
         <a:buChar char="•"/>
         <a:defRPr sz="2400" kern="1200">
@@ -3647,11 +2141,14 @@
       </a:lvl2pPr>
       <a:lvl3pPr marL="1143000" indent="-228600" algn="l" defTabSz="914400" rtl="0" eaLnBrk="1" latinLnBrk="0" hangingPunct="1">
         <a:lnSpc>
-          <a:spcPct val="150000"/>
+          <a:spcPct val="100000"/>
         </a:lnSpc>
         <a:spcBef>
           <a:spcPts val="500"/>
         </a:spcBef>
+        <a:spcAft>
+          <a:spcPts val="1600"/>
+        </a:spcAft>
         <a:buFont typeface="Arial" panose="020B0604020202020204" pitchFamily="34" charset="0"/>
         <a:buChar char="•"/>
         <a:defRPr sz="2000" kern="1200">
@@ -3665,11 +2162,14 @@
       </a:lvl3pPr>
       <a:lvl4pPr marL="1600200" indent="-228600" algn="l" defTabSz="914400" rtl="0" eaLnBrk="1" latinLnBrk="0" hangingPunct="1">
         <a:lnSpc>
-          <a:spcPct val="150000"/>
+          <a:spcPct val="100000"/>
         </a:lnSpc>
         <a:spcBef>
           <a:spcPts val="500"/>
         </a:spcBef>
+        <a:spcAft>
+          <a:spcPts val="1600"/>
+        </a:spcAft>
         <a:buFont typeface="Arial" panose="020B0604020202020204" pitchFamily="34" charset="0"/>
         <a:buChar char="•"/>
         <a:defRPr sz="1800" kern="1200">
@@ -3683,11 +2183,14 @@
       </a:lvl4pPr>
       <a:lvl5pPr marL="2057400" indent="-228600" algn="l" defTabSz="914400" rtl="0" eaLnBrk="1" latinLnBrk="0" hangingPunct="1">
         <a:lnSpc>
-          <a:spcPct val="150000"/>
+          <a:spcPct val="100000"/>
         </a:lnSpc>
         <a:spcBef>
           <a:spcPts val="500"/>
         </a:spcBef>
+        <a:spcAft>
+          <a:spcPts val="1600"/>
+        </a:spcAft>
         <a:buFont typeface="Arial" panose="020B0604020202020204" pitchFamily="34" charset="0"/>
         <a:buChar char="•"/>
         <a:defRPr sz="1800" kern="1200">

--- a/(0) Template.pptx
+++ b/(0) Template.pptx
@@ -2109,7 +2109,7 @@
         </a:spcAft>
         <a:buFont typeface="Arial" panose="020B0604020202020204" pitchFamily="34" charset="0"/>
         <a:buChar char="•"/>
-        <a:defRPr sz="2800" kern="1200">
+        <a:defRPr sz="2400" kern="1200">
           <a:solidFill>
             <a:schemeClr val="tx1"/>
           </a:solidFill>
@@ -2130,7 +2130,7 @@
         </a:spcAft>
         <a:buFont typeface="Arial" panose="020B0604020202020204" pitchFamily="34" charset="0"/>
         <a:buChar char="•"/>
-        <a:defRPr sz="2400" kern="1200">
+        <a:defRPr sz="2000" kern="1200">
           <a:solidFill>
             <a:schemeClr val="tx1"/>
           </a:solidFill>
@@ -2151,7 +2151,7 @@
         </a:spcAft>
         <a:buFont typeface="Arial" panose="020B0604020202020204" pitchFamily="34" charset="0"/>
         <a:buChar char="•"/>
-        <a:defRPr sz="2000" kern="1200">
+        <a:defRPr sz="1800" kern="1200">
           <a:solidFill>
             <a:schemeClr val="tx1"/>
           </a:solidFill>
@@ -2172,7 +2172,7 @@
         </a:spcAft>
         <a:buFont typeface="Arial" panose="020B0604020202020204" pitchFamily="34" charset="0"/>
         <a:buChar char="•"/>
-        <a:defRPr sz="1800" kern="1200">
+        <a:defRPr sz="1600" kern="1200">
           <a:solidFill>
             <a:schemeClr val="tx1"/>
           </a:solidFill>
@@ -2193,7 +2193,7 @@
         </a:spcAft>
         <a:buFont typeface="Arial" panose="020B0604020202020204" pitchFamily="34" charset="0"/>
         <a:buChar char="•"/>
-        <a:defRPr sz="1800" kern="1200">
+        <a:defRPr sz="1600" kern="1200">
           <a:solidFill>
             <a:schemeClr val="tx1"/>
           </a:solidFill>
